--- a/devops_brownbag.pptx
+++ b/devops_brownbag.pptx
@@ -250,7 +250,7 @@
           <a:p>
             <a:fld id="{925D2DB2-69CE-4E4C-A9C5-74599D4C580F}" type="datetimeFigureOut">
               <a:rPr lang="en-US" smtClean="0"/>
-              <a:t>5/31/2022</a:t>
+              <a:t>6/1/2022</a:t>
             </a:fld>
             <a:endParaRPr lang="en-US"/>
           </a:p>
@@ -434,7 +434,7 @@
             <a:fld id="{187B8588-1665-0A4A-AD47-68FFFFC620D1}" type="datetimeFigureOut">
               <a:rPr lang="ja-JP" altLang="en-US" smtClean="0"/>
               <a:pPr/>
-              <a:t>2022/5/31</a:t>
+              <a:t>2022/6/1</a:t>
             </a:fld>
             <a:endParaRPr lang="ja-JP" altLang="en-US" dirty="0"/>
           </a:p>
@@ -49871,7 +49871,7 @@
           <a:p>
             <a:r>
               <a:rPr lang="en-US" sz="2800" dirty="0"/>
-              <a:t>What is DevOps? Live Code Introduction &amp; Workshop</a:t>
+              <a:t>What is Infrastructure as Code? A Live Code Introduction &amp; Workshop</a:t>
             </a:r>
           </a:p>
         </p:txBody>
@@ -52808,6 +52808,23 @@
 </file>
 
 <file path=customXml/item1.xml><?xml version="1.0" encoding="utf-8"?>
+<?mso-contentType ?>
+<FormTemplates xmlns="http://schemas.microsoft.com/sharepoint/v3/contenttype/forms">
+  <Display>DocumentLibraryForm</Display>
+  <Edit>DocumentLibraryForm</Edit>
+  <New>DocumentLibraryForm</New>
+</FormTemplates>
+</file>
+
+<file path=customXml/item2.xml><?xml version="1.0" encoding="utf-8"?>
+<p:properties xmlns:p="http://schemas.microsoft.com/office/2006/metadata/properties" xmlns:xsi="http://www.w3.org/2001/XMLSchema-instance" xmlns:pc="http://schemas.microsoft.com/office/infopath/2007/PartnerControls">
+  <documentManagement>
+    <KNEX_x0020_Newsletter xmlns="3551b45e-4d07-496d-b717-30c36ee5537f">true</KNEX_x0020_Newsletter>
+  </documentManagement>
+</p:properties>
+</file>
+
+<file path=customXml/item3.xml><?xml version="1.0" encoding="utf-8"?>
 <ct:contentTypeSchema xmlns:ct="http://schemas.microsoft.com/office/2006/metadata/contentType" xmlns:ma="http://schemas.microsoft.com/office/2006/metadata/properties/metaAttributes" ct:_="" ma:_="" ma:contentTypeName="Document" ma:contentTypeID="0x0101009AA03FB451C0704FA18CCEC9FC8320EA" ma:contentTypeVersion="14" ma:contentTypeDescription="Create a new document." ma:contentTypeScope="" ma:versionID="9e1f3a7546576643c5b7e8c87a43f6c5">
   <xsd:schema xmlns:xsd="http://www.w3.org/2001/XMLSchema" xmlns:xs="http://www.w3.org/2001/XMLSchema" xmlns:p="http://schemas.microsoft.com/office/2006/metadata/properties" xmlns:ns2="3551b45e-4d07-496d-b717-30c36ee5537f" xmlns:ns3="b9a6bc27-5d57-4cc4-be66-4aa825f7ece8" targetNamespace="http://schemas.microsoft.com/office/2006/metadata/properties" ma:root="true" ma:fieldsID="e76e5050240583c8f3ab4fe41c1313e8" ns2:_="" ns3:_="">
     <xsd:import namespace="3551b45e-4d07-496d-b717-30c36ee5537f"/>
@@ -53036,38 +53053,10 @@
 </ct:contentTypeSchema>
 </file>
 
-<file path=customXml/item2.xml><?xml version="1.0" encoding="utf-8"?>
-<p:properties xmlns:p="http://schemas.microsoft.com/office/2006/metadata/properties" xmlns:xsi="http://www.w3.org/2001/XMLSchema-instance" xmlns:pc="http://schemas.microsoft.com/office/infopath/2007/PartnerControls">
-  <documentManagement>
-    <KNEX_x0020_Newsletter xmlns="3551b45e-4d07-496d-b717-30c36ee5537f">true</KNEX_x0020_Newsletter>
-  </documentManagement>
-</p:properties>
-</file>
-
-<file path=customXml/item3.xml><?xml version="1.0" encoding="utf-8"?>
-<?mso-contentType ?>
-<FormTemplates xmlns="http://schemas.microsoft.com/sharepoint/v3/contenttype/forms">
-  <Display>DocumentLibraryForm</Display>
-  <Edit>DocumentLibraryForm</Edit>
-  <New>DocumentLibraryForm</New>
-</FormTemplates>
-</file>
-
 <file path=customXml/itemProps1.xml><?xml version="1.0" encoding="utf-8"?>
-<ds:datastoreItem xmlns:ds="http://schemas.openxmlformats.org/officeDocument/2006/customXml" ds:itemID="{CE94338D-F8CE-41AE-A99B-C94A286E7E9F}">
+<ds:datastoreItem xmlns:ds="http://schemas.openxmlformats.org/officeDocument/2006/customXml" ds:itemID="{D348519F-9201-4439-8306-45AB9E96A0F1}">
   <ds:schemaRefs>
-    <ds:schemaRef ds:uri="http://schemas.microsoft.com/office/2006/metadata/contentType"/>
-    <ds:schemaRef ds:uri="http://schemas.microsoft.com/office/2006/metadata/properties/metaAttributes"/>
-    <ds:schemaRef ds:uri="http://www.w3.org/2001/XMLSchema"/>
-    <ds:schemaRef ds:uri="http://schemas.microsoft.com/office/2006/metadata/properties"/>
-    <ds:schemaRef ds:uri="3551b45e-4d07-496d-b717-30c36ee5537f"/>
-    <ds:schemaRef ds:uri="b9a6bc27-5d57-4cc4-be66-4aa825f7ece8"/>
-    <ds:schemaRef ds:uri="http://schemas.microsoft.com/office/2006/documentManagement/types"/>
-    <ds:schemaRef ds:uri="http://schemas.microsoft.com/office/infopath/2007/PartnerControls"/>
-    <ds:schemaRef ds:uri="http://schemas.openxmlformats.org/package/2006/metadata/core-properties"/>
-    <ds:schemaRef ds:uri="http://purl.org/dc/elements/1.1/"/>
-    <ds:schemaRef ds:uri="http://purl.org/dc/terms/"/>
-    <ds:schemaRef ds:uri="http://schemas.microsoft.com/internal/obd"/>
+    <ds:schemaRef ds:uri="http://schemas.microsoft.com/sharepoint/v3/contenttype/forms"/>
   </ds:schemaRefs>
 </ds:datastoreItem>
 </file>
@@ -53090,9 +53079,20 @@
 </file>
 
 <file path=customXml/itemProps3.xml><?xml version="1.0" encoding="utf-8"?>
-<ds:datastoreItem xmlns:ds="http://schemas.openxmlformats.org/officeDocument/2006/customXml" ds:itemID="{D348519F-9201-4439-8306-45AB9E96A0F1}">
+<ds:datastoreItem xmlns:ds="http://schemas.openxmlformats.org/officeDocument/2006/customXml" ds:itemID="{CE94338D-F8CE-41AE-A99B-C94A286E7E9F}">
   <ds:schemaRefs>
-    <ds:schemaRef ds:uri="http://schemas.microsoft.com/sharepoint/v3/contenttype/forms"/>
+    <ds:schemaRef ds:uri="http://schemas.microsoft.com/office/2006/metadata/contentType"/>
+    <ds:schemaRef ds:uri="http://schemas.microsoft.com/office/2006/metadata/properties/metaAttributes"/>
+    <ds:schemaRef ds:uri="http://www.w3.org/2001/XMLSchema"/>
+    <ds:schemaRef ds:uri="http://schemas.microsoft.com/office/2006/metadata/properties"/>
+    <ds:schemaRef ds:uri="3551b45e-4d07-496d-b717-30c36ee5537f"/>
+    <ds:schemaRef ds:uri="b9a6bc27-5d57-4cc4-be66-4aa825f7ece8"/>
+    <ds:schemaRef ds:uri="http://schemas.microsoft.com/office/2006/documentManagement/types"/>
+    <ds:schemaRef ds:uri="http://schemas.microsoft.com/office/infopath/2007/PartnerControls"/>
+    <ds:schemaRef ds:uri="http://schemas.openxmlformats.org/package/2006/metadata/core-properties"/>
+    <ds:schemaRef ds:uri="http://purl.org/dc/elements/1.1/"/>
+    <ds:schemaRef ds:uri="http://purl.org/dc/terms/"/>
+    <ds:schemaRef ds:uri="http://schemas.microsoft.com/internal/obd"/>
   </ds:schemaRefs>
 </ds:datastoreItem>
 </file>